--- a/Introduction to Python.pptx
+++ b/Introduction to Python.pptx
@@ -108,6 +108,11 @@
       </a:defRPr>
     </a:lvl9pPr>
   </p:defaultTextStyle>
+  <p:extLst>
+    <p:ext uri="{EFAFB233-063F-42B5-8137-9DF3F51BA10A}">
+      <p15:sldGuideLst xmlns:p15="http://schemas.microsoft.com/office/powerpoint/2012/main"/>
+    </p:ext>
+  </p:extLst>
 </p:presentation>
 </file>
 
@@ -355,7 +360,7 @@
           <a:p>
             <a:fld id="{9184DA70-C731-4C70-880D-CCD4705E623C}" type="datetime1">
               <a:rPr lang="en-US" smtClean="0"/>
-              <a:t>6/23/2019</a:t>
+              <a:t>6/24/2019</a:t>
             </a:fld>
             <a:endParaRPr lang="en-US" dirty="0"/>
           </a:p>
@@ -622,7 +627,7 @@
           <a:p>
             <a:fld id="{62D6E202-B606-4609-B914-27C9371A1F6D}" type="datetime1">
               <a:rPr lang="en-US" smtClean="0"/>
-              <a:t>6/23/2019</a:t>
+              <a:t>6/24/2019</a:t>
             </a:fld>
             <a:endParaRPr lang="en-US" dirty="0"/>
           </a:p>
@@ -2727,7 +2732,7 @@
         <p:spPr>
           <a:xfrm>
             <a:off x="438473" y="3824520"/>
-            <a:ext cx="4319709" cy="2677656"/>
+            <a:ext cx="4073166" cy="2677656"/>
           </a:xfrm>
           <a:prstGeom prst="rect">
             <a:avLst/>
@@ -2740,6 +2745,7 @@
           </a:bodyPr>
           <a:lstStyle/>
           <a:p>
+            <a:pPr algn="just"/>
             <a:r>
               <a:rPr lang="en-MY" sz="2400" dirty="0">
                 <a:solidFill>
@@ -2750,6 +2756,7 @@
             </a:r>
           </a:p>
           <a:p>
+            <a:pPr algn="just"/>
             <a:r>
               <a:rPr lang="en-MY" sz="2400" dirty="0">
                 <a:solidFill>
@@ -2760,6 +2767,7 @@
             </a:r>
           </a:p>
           <a:p>
+            <a:pPr algn="just"/>
             <a:r>
               <a:rPr lang="en-MY" sz="2400" dirty="0">
                 <a:solidFill>
@@ -2770,6 +2778,7 @@
             </a:r>
           </a:p>
           <a:p>
+            <a:pPr algn="just"/>
             <a:r>
               <a:rPr lang="en-MY" sz="2400" dirty="0">
                 <a:solidFill>
@@ -2798,17 +2807,18 @@
                   <a:schemeClr val="bg1"/>
                 </a:solidFill>
               </a:rPr>
-              <a:t>Mac users probably have python </a:t>
+              <a:t>Mac users probably have </a:t>
             </a:r>
           </a:p>
           <a:p>
+            <a:pPr algn="just"/>
             <a:r>
               <a:rPr lang="en-MY" sz="2400" dirty="0">
                 <a:solidFill>
                   <a:schemeClr val="bg1"/>
                 </a:solidFill>
               </a:rPr>
-              <a:t>already on their laptop.</a:t>
+              <a:t>python already on their laptop.</a:t>
             </a:r>
           </a:p>
         </p:txBody>
@@ -2829,6 +2839,14 @@
 <file path=ppt/slides/slide5.xml><?xml version="1.0" encoding="utf-8"?>
 <p:sld xmlns:a="http://schemas.openxmlformats.org/drawingml/2006/main" xmlns:r="http://schemas.openxmlformats.org/officeDocument/2006/relationships" xmlns:p="http://schemas.openxmlformats.org/presentationml/2006/main">
   <p:cSld>
+    <p:bg>
+      <p:bgPr>
+        <a:solidFill>
+          <a:schemeClr val="bg1"/>
+        </a:solidFill>
+        <a:effectLst/>
+      </p:bgPr>
+    </p:bg>
     <p:spTree>
       <p:nvGrpSpPr>
         <p:cNvPr id="1" name=""/>
@@ -2843,6 +2861,90 @@
           <a:chExt cx="0" cy="0"/>
         </a:xfrm>
       </p:grpSpPr>
+      <p:pic>
+        <p:nvPicPr>
+          <p:cNvPr id="4" name="Picture 3">
+            <a:extLst>
+              <a:ext uri="{FF2B5EF4-FFF2-40B4-BE49-F238E27FC236}">
+                <a16:creationId xmlns:a16="http://schemas.microsoft.com/office/drawing/2014/main" id="{55B72A25-DB9C-44C5-87D9-D7C70527B7F6}"/>
+              </a:ext>
+            </a:extLst>
+          </p:cNvPr>
+          <p:cNvPicPr>
+            <a:picLocks noChangeAspect="1"/>
+          </p:cNvPicPr>
+          <p:nvPr/>
+        </p:nvPicPr>
+        <p:blipFill rotWithShape="1">
+          <a:blip r:embed="rId2"/>
+          <a:srcRect b="28331"/>
+          <a:stretch/>
+        </p:blipFill>
+        <p:spPr>
+          <a:xfrm>
+            <a:off x="-32" y="10"/>
+            <a:ext cx="12192031" cy="4915066"/>
+          </a:xfrm>
+          <a:prstGeom prst="rect">
+            <a:avLst/>
+          </a:prstGeom>
+        </p:spPr>
+      </p:pic>
+      <p:sp>
+        <p:nvSpPr>
+          <p:cNvPr id="9" name="Rectangle 8">
+            <a:extLst>
+              <a:ext uri="{FF2B5EF4-FFF2-40B4-BE49-F238E27FC236}">
+                <a16:creationId xmlns:a16="http://schemas.microsoft.com/office/drawing/2014/main" id="{0B4FB531-34DA-4777-9BD5-5B885DC38198}"/>
+              </a:ext>
+              <a:ext uri="{C183D7F6-B498-43B3-948B-1728B52AA6E4}">
+                <adec:decorative xmlns:adec="http://schemas.microsoft.com/office/drawing/2017/decorative" val="1"/>
+              </a:ext>
+            </a:extLst>
+          </p:cNvPr>
+          <p:cNvSpPr>
+            <a:spLocks noGrp="1" noRot="1" noChangeAspect="1" noMove="1" noResize="1" noEditPoints="1" noAdjustHandles="1" noChangeArrowheads="1" noChangeShapeType="1" noTextEdit="1"/>
+          </p:cNvSpPr>
+          <p:nvPr>
+            <p:extLst>
+              <p:ext uri="{386F3935-93C4-4BCD-93E2-E3B085C9AB24}">
+                <p16:designElem xmlns:p16="http://schemas.microsoft.com/office/powerpoint/2015/main" val="1"/>
+              </p:ext>
+            </p:extLst>
+          </p:nvPr>
+        </p:nvSpPr>
+        <p:spPr bwMode="white">
+          <a:xfrm>
+            <a:off x="1507" y="4915076"/>
+            <a:ext cx="12188952" cy="1942924"/>
+          </a:xfrm>
+          <a:prstGeom prst="rect">
+            <a:avLst/>
+          </a:prstGeom>
+          <a:solidFill>
+            <a:srgbClr val="262626"/>
+          </a:solidFill>
+          <a:ln>
+            <a:noFill/>
+          </a:ln>
+        </p:spPr>
+        <p:style>
+          <a:lnRef idx="2">
+            <a:schemeClr val="accent1">
+              <a:shade val="50000"/>
+            </a:schemeClr>
+          </a:lnRef>
+          <a:fillRef idx="1">
+            <a:schemeClr val="accent1"/>
+          </a:fillRef>
+          <a:effectRef idx="0">
+            <a:schemeClr val="accent1"/>
+          </a:effectRef>
+          <a:fontRef idx="minor">
+            <a:schemeClr val="lt1"/>
+          </a:fontRef>
+        </p:style>
+      </p:sp>
       <p:sp>
         <p:nvSpPr>
           <p:cNvPr id="2" name="Title 1">
@@ -2859,12 +2961,27 @@
             <p:ph type="ctrTitle"/>
           </p:nvPr>
         </p:nvSpPr>
-        <p:spPr/>
+        <p:spPr>
+          <a:xfrm>
+            <a:off x="828675" y="5120639"/>
+            <a:ext cx="7137263" cy="1280161"/>
+          </a:xfrm>
+        </p:spPr>
         <p:txBody>
-          <a:bodyPr/>
+          <a:bodyPr anchor="ctr">
+            <a:normAutofit/>
+          </a:bodyPr>
           <a:lstStyle/>
           <a:p>
-            <a:endParaRPr lang="en-MY" dirty="0"/>
+            <a:pPr algn="r"/>
+            <a:r>
+              <a:rPr lang="en-MY" sz="4800" dirty="0">
+                <a:solidFill>
+                  <a:srgbClr val="FFFFFF"/>
+                </a:solidFill>
+              </a:rPr>
+              <a:t>GitHub Code</a:t>
+            </a:r>
           </a:p>
         </p:txBody>
       </p:sp>
@@ -2884,15 +3001,116 @@
             <p:ph type="subTitle" idx="1"/>
           </p:nvPr>
         </p:nvSpPr>
-        <p:spPr/>
+        <p:spPr>
+          <a:xfrm>
+            <a:off x="8289580" y="5120639"/>
+            <a:ext cx="3073745" cy="1280160"/>
+          </a:xfrm>
+        </p:spPr>
         <p:txBody>
-          <a:bodyPr/>
+          <a:bodyPr anchor="ctr">
+            <a:normAutofit/>
+          </a:bodyPr>
           <a:lstStyle/>
           <a:p>
-            <a:endParaRPr lang="en-MY"/>
+            <a:r>
+              <a:rPr lang="en-MY" sz="1500" dirty="0">
+                <a:solidFill>
+                  <a:srgbClr val="FFFFFF"/>
+                </a:solidFill>
+              </a:rPr>
+              <a:t>Check telegram for the link or go to </a:t>
+            </a:r>
+            <a:r>
+              <a:rPr lang="en-MY" sz="1600" dirty="0">
+                <a:hlinkClick r:id="rId3"/>
+              </a:rPr>
+              <a:t>https://</a:t>
+            </a:r>
+            <a:r>
+              <a:rPr lang="en-MY" sz="1600" dirty="0" err="1">
+                <a:hlinkClick r:id="rId3"/>
+              </a:rPr>
+              <a:t>github.com</a:t>
+            </a:r>
+            <a:r>
+              <a:rPr lang="en-MY" sz="1600" dirty="0">
+                <a:hlinkClick r:id="rId3"/>
+              </a:rPr>
+              <a:t>/</a:t>
+            </a:r>
+            <a:r>
+              <a:rPr lang="en-MY" sz="1600" dirty="0" err="1">
+                <a:hlinkClick r:id="rId3"/>
+              </a:rPr>
+              <a:t>HankRobot</a:t>
+            </a:r>
+            <a:r>
+              <a:rPr lang="en-MY" sz="1600" dirty="0">
+                <a:hlinkClick r:id="rId3"/>
+              </a:rPr>
+              <a:t>/NEM-Python</a:t>
+            </a:r>
+            <a:endParaRPr lang="en-MY" sz="1500" dirty="0">
+              <a:solidFill>
+                <a:srgbClr val="FFFFFF"/>
+              </a:solidFill>
+            </a:endParaRPr>
           </a:p>
         </p:txBody>
       </p:sp>
+      <p:cxnSp>
+        <p:nvCxnSpPr>
+          <p:cNvPr id="11" name="Straight Connector 10">
+            <a:extLst>
+              <a:ext uri="{FF2B5EF4-FFF2-40B4-BE49-F238E27FC236}">
+                <a16:creationId xmlns:a16="http://schemas.microsoft.com/office/drawing/2014/main" id="{D5B557D3-D7B4-404B-84A1-9BD182BE5B06}"/>
+              </a:ext>
+              <a:ext uri="{C183D7F6-B498-43B3-948B-1728B52AA6E4}">
+                <adec:decorative xmlns:adec="http://schemas.microsoft.com/office/drawing/2017/decorative" val="1"/>
+              </a:ext>
+            </a:extLst>
+          </p:cNvPr>
+          <p:cNvCxnSpPr>
+            <a:cxnSpLocks noGrp="1" noRot="1" noChangeAspect="1" noMove="1" noResize="1" noEditPoints="1" noAdjustHandles="1" noChangeArrowheads="1" noChangeShapeType="1"/>
+          </p:cNvCxnSpPr>
+          <p:nvPr>
+            <p:extLst>
+              <p:ext uri="{386F3935-93C4-4BCD-93E2-E3B085C9AB24}">
+                <p16:designElem xmlns:p16="http://schemas.microsoft.com/office/powerpoint/2015/main" val="1"/>
+              </p:ext>
+            </p:extLst>
+          </p:nvPr>
+        </p:nvCxnSpPr>
+        <p:spPr>
+          <a:xfrm rot="16200000">
+            <a:off x="7532813" y="5760720"/>
+            <a:ext cx="1188720" cy="0"/>
+          </a:xfrm>
+          <a:prstGeom prst="line">
+            <a:avLst/>
+          </a:prstGeom>
+          <a:ln w="19050">
+            <a:solidFill>
+              <a:schemeClr val="accent1"/>
+            </a:solidFill>
+          </a:ln>
+        </p:spPr>
+        <p:style>
+          <a:lnRef idx="1">
+            <a:schemeClr val="accent1"/>
+          </a:lnRef>
+          <a:fillRef idx="0">
+            <a:schemeClr val="accent1"/>
+          </a:fillRef>
+          <a:effectRef idx="0">
+            <a:schemeClr val="accent1"/>
+          </a:effectRef>
+          <a:fontRef idx="minor">
+            <a:schemeClr val="tx1"/>
+          </a:fontRef>
+        </p:style>
+      </p:cxnSp>
     </p:spTree>
     <p:extLst>
       <p:ext uri="{BB962C8B-B14F-4D97-AF65-F5344CB8AC3E}">
@@ -2901,7 +3119,7 @@
     </p:extLst>
   </p:cSld>
   <p:clrMapOvr>
-    <a:masterClrMapping/>
+    <a:overrideClrMapping bg1="dk1" tx1="lt1" bg2="dk2" tx2="lt2" accent1="accent1" accent2="accent2" accent3="accent3" accent4="accent4" accent5="accent5" accent6="accent6" hlink="hlink" folHlink="folHlink"/>
   </p:clrMapOvr>
 </p:sld>
 </file>
